--- a/document/explan.pptx
+++ b/document/explan.pptx
@@ -104,6 +104,11 @@
       </a:defRPr>
     </a:lvl9pPr>
   </p:defaultTextStyle>
+  <p:extLst>
+    <p:ext uri="{EFAFB233-063F-42B5-8137-9DF3F51BA10A}">
+      <p15:sldGuideLst xmlns:p15="http://schemas.microsoft.com/office/powerpoint/2012/main"/>
+    </p:ext>
+  </p:extLst>
 </p:presentation>
 </file>
 
@@ -3323,10 +3328,10 @@
       </p:grpSpPr>
       <p:pic>
         <p:nvPicPr>
-          <p:cNvPr id="5" name="그림 4">
-            <a:extLst>
-              <a:ext uri="{FF2B5EF4-FFF2-40B4-BE49-F238E27FC236}">
-                <a16:creationId xmlns:a16="http://schemas.microsoft.com/office/drawing/2014/main" id="{B563BB48-34B2-83CD-7616-D568FB6080C0}"/>
+          <p:cNvPr id="3" name="그림 2">
+            <a:extLst>
+              <a:ext uri="{FF2B5EF4-FFF2-40B4-BE49-F238E27FC236}">
+                <a16:creationId xmlns:a16="http://schemas.microsoft.com/office/drawing/2014/main" id="{B913CC1E-A1FA-8F5B-95A6-5CB6E0540924}"/>
               </a:ext>
             </a:extLst>
           </p:cNvPr>
@@ -3343,8 +3348,8 @@
         </p:blipFill>
         <p:spPr>
           <a:xfrm>
-            <a:off x="2142573" y="1156970"/>
-            <a:ext cx="7906853" cy="4544059"/>
+            <a:off x="1837730" y="585390"/>
+            <a:ext cx="8516539" cy="5687219"/>
           </a:xfrm>
           <a:prstGeom prst="rect">
             <a:avLst/>
